--- a/ppt/EditTest.pptx
+++ b/ppt/EditTest.pptx
@@ -2373,12 +2373,20 @@
         <a:p>
           <a:pPr algn="l"/>
           <a:r>
+            <a:rPr lang="en-US" sz="1600" smtClean="0">
+              <a:solidFill>
+                <a:schemeClr val="bg1"/>
+              </a:solidFill>
+            </a:rPr>
+            <a:t>1.Edit </a:t>
+          </a:r>
+          <a:r>
             <a:rPr lang="en-US" sz="1600" dirty="0" smtClean="0">
               <a:solidFill>
                 <a:schemeClr val="bg1"/>
               </a:solidFill>
             </a:rPr>
-            <a:t>1.Eidt Test</a:t>
+            <a:t>Test</a:t>
           </a:r>
           <a:endParaRPr lang="en-US" sz="1600" dirty="0">
             <a:solidFill>
@@ -3208,12 +3216,20 @@
             </a:spcAft>
           </a:pPr>
           <a:r>
+            <a:rPr lang="en-US" sz="1600" kern="1200" smtClean="0">
+              <a:solidFill>
+                <a:schemeClr val="bg1"/>
+              </a:solidFill>
+            </a:rPr>
+            <a:t>1.Edit </a:t>
+          </a:r>
+          <a:r>
             <a:rPr lang="en-US" sz="1600" kern="1200" dirty="0" smtClean="0">
               <a:solidFill>
                 <a:schemeClr val="bg1"/>
               </a:solidFill>
             </a:rPr>
-            <a:t>1.Eidt Test</a:t>
+            <a:t>Test</a:t>
           </a:r>
           <a:endParaRPr lang="en-US" sz="1600" kern="1200" dirty="0">
             <a:solidFill>
@@ -7931,7 +7947,7 @@
           <a:p>
             <a:fld id="{D9AD19B3-A8BF-4651-9C94-5C59F1154874}" type="datetimeFigureOut">
               <a:rPr lang="en-US" smtClean="0"/>
-              <a:t>6/25/2014</a:t>
+              <a:t>6/30/2014</a:t>
             </a:fld>
             <a:endParaRPr lang="en-US"/>
           </a:p>
@@ -8549,7 +8565,7 @@
             <a:fld id="{1D8BD707-D9CF-40AE-B4C6-C98DA3205C09}" type="datetimeFigureOut">
               <a:rPr lang="en-US" smtClean="0"/>
               <a:pPr/>
-              <a:t>6/25/2014</a:t>
+              <a:t>6/30/2014</a:t>
             </a:fld>
             <a:endParaRPr lang="en-US"/>
           </a:p>
@@ -8716,7 +8732,7 @@
             <a:fld id="{1D8BD707-D9CF-40AE-B4C6-C98DA3205C09}" type="datetimeFigureOut">
               <a:rPr lang="en-US" smtClean="0"/>
               <a:pPr/>
-              <a:t>6/25/2014</a:t>
+              <a:t>6/30/2014</a:t>
             </a:fld>
             <a:endParaRPr lang="en-US"/>
           </a:p>
@@ -8893,7 +8909,7 @@
             <a:fld id="{1D8BD707-D9CF-40AE-B4C6-C98DA3205C09}" type="datetimeFigureOut">
               <a:rPr lang="en-US" smtClean="0"/>
               <a:pPr/>
-              <a:t>6/25/2014</a:t>
+              <a:t>6/30/2014</a:t>
             </a:fld>
             <a:endParaRPr lang="en-US"/>
           </a:p>
@@ -9060,7 +9076,7 @@
             <a:fld id="{1D8BD707-D9CF-40AE-B4C6-C98DA3205C09}" type="datetimeFigureOut">
               <a:rPr lang="en-US" smtClean="0"/>
               <a:pPr/>
-              <a:t>6/25/2014</a:t>
+              <a:t>6/30/2014</a:t>
             </a:fld>
             <a:endParaRPr lang="en-US"/>
           </a:p>
@@ -9303,7 +9319,7 @@
             <a:fld id="{1D8BD707-D9CF-40AE-B4C6-C98DA3205C09}" type="datetimeFigureOut">
               <a:rPr lang="en-US" smtClean="0"/>
               <a:pPr/>
-              <a:t>6/25/2014</a:t>
+              <a:t>6/30/2014</a:t>
             </a:fld>
             <a:endParaRPr lang="en-US"/>
           </a:p>
@@ -9588,7 +9604,7 @@
             <a:fld id="{1D8BD707-D9CF-40AE-B4C6-C98DA3205C09}" type="datetimeFigureOut">
               <a:rPr lang="en-US" smtClean="0"/>
               <a:pPr/>
-              <a:t>6/25/2014</a:t>
+              <a:t>6/30/2014</a:t>
             </a:fld>
             <a:endParaRPr lang="en-US"/>
           </a:p>
@@ -10007,7 +10023,7 @@
             <a:fld id="{1D8BD707-D9CF-40AE-B4C6-C98DA3205C09}" type="datetimeFigureOut">
               <a:rPr lang="en-US" smtClean="0"/>
               <a:pPr/>
-              <a:t>6/25/2014</a:t>
+              <a:t>6/30/2014</a:t>
             </a:fld>
             <a:endParaRPr lang="en-US"/>
           </a:p>
@@ -10122,7 +10138,7 @@
             <a:fld id="{1D8BD707-D9CF-40AE-B4C6-C98DA3205C09}" type="datetimeFigureOut">
               <a:rPr lang="en-US" smtClean="0"/>
               <a:pPr/>
-              <a:t>6/25/2014</a:t>
+              <a:t>6/30/2014</a:t>
             </a:fld>
             <a:endParaRPr lang="en-US"/>
           </a:p>
@@ -10214,7 +10230,7 @@
             <a:fld id="{1D8BD707-D9CF-40AE-B4C6-C98DA3205C09}" type="datetimeFigureOut">
               <a:rPr lang="en-US" smtClean="0"/>
               <a:pPr/>
-              <a:t>6/25/2014</a:t>
+              <a:t>6/30/2014</a:t>
             </a:fld>
             <a:endParaRPr lang="en-US"/>
           </a:p>
@@ -10488,7 +10504,7 @@
             <a:fld id="{1D8BD707-D9CF-40AE-B4C6-C98DA3205C09}" type="datetimeFigureOut">
               <a:rPr lang="en-US" smtClean="0"/>
               <a:pPr/>
-              <a:t>6/25/2014</a:t>
+              <a:t>6/30/2014</a:t>
             </a:fld>
             <a:endParaRPr lang="en-US"/>
           </a:p>
@@ -10738,7 +10754,7 @@
             <a:fld id="{1D8BD707-D9CF-40AE-B4C6-C98DA3205C09}" type="datetimeFigureOut">
               <a:rPr lang="en-US" smtClean="0"/>
               <a:pPr/>
-              <a:t>6/25/2014</a:t>
+              <a:t>6/30/2014</a:t>
             </a:fld>
             <a:endParaRPr lang="en-US"/>
           </a:p>
@@ -10948,7 +10964,7 @@
             <a:fld id="{1D8BD707-D9CF-40AE-B4C6-C98DA3205C09}" type="datetimeFigureOut">
               <a:rPr lang="en-US" smtClean="0"/>
               <a:pPr/>
-              <a:t>6/25/2014</a:t>
+              <a:t>6/30/2014</a:t>
             </a:fld>
             <a:endParaRPr lang="en-US"/>
           </a:p>
@@ -11443,7 +11459,7 @@
           <p:nvPr>
             <p:extLst>
               <p:ext uri="{D42A27DB-BD31-4B8C-83A1-F6EECF244321}">
-                <p14:modId xmlns:p14="http://schemas.microsoft.com/office/powerpoint/2010/main" val="4052574625"/>
+                <p14:modId xmlns:p14="http://schemas.microsoft.com/office/powerpoint/2010/main" val="3521918829"/>
               </p:ext>
             </p:extLst>
           </p:nvPr>
@@ -11805,15 +11821,7 @@
                   <a:schemeClr val="accent2"/>
                 </a:solidFill>
               </a:rPr>
-              <a:t>database </a:t>
-            </a:r>
-            <a:r>
-              <a:rPr lang="en-US" sz="1400" dirty="0" smtClean="0">
-                <a:solidFill>
-                  <a:schemeClr val="accent2"/>
-                </a:solidFill>
-              </a:rPr>
-              <a:t>connection, writing </a:t>
+              <a:t>database connection, writing </a:t>
             </a:r>
             <a:r>
               <a:rPr lang="en-US" sz="1400" dirty="0">
@@ -11829,23 +11837,7 @@
                   <a:schemeClr val="accent2"/>
                 </a:solidFill>
               </a:rPr>
-              <a:t>query, defining variables  and other options are </a:t>
-            </a:r>
-            <a:r>
-              <a:rPr lang="en-US" sz="1400" dirty="0" smtClean="0">
-                <a:solidFill>
-                  <a:schemeClr val="accent2"/>
-                </a:solidFill>
-              </a:rPr>
-              <a:t>explained in the Implement </a:t>
-            </a:r>
-            <a:r>
-              <a:rPr lang="en-US" sz="1400" dirty="0" smtClean="0">
-                <a:solidFill>
-                  <a:schemeClr val="accent2"/>
-                </a:solidFill>
-              </a:rPr>
-              <a:t>Tests Section</a:t>
+              <a:t>query, defining variables  and other options are explained in the Implement Tests Section</a:t>
             </a:r>
             <a:endParaRPr lang="en-US" sz="1400" dirty="0">
               <a:solidFill>
@@ -11968,16 +11960,6 @@
                   <a:schemeClr val="accent1"/>
                 </a:solidFill>
               </a14:hiddenFill>
-            </a:ext>
-            <a:ext uri="{91240B29-F687-4F45-9708-019B960494DF}">
-              <a14:hiddenLine xmlns:a14="http://schemas.microsoft.com/office/drawing/2010/main" w="9525">
-                <a:solidFill>
-                  <a:schemeClr val="tx1"/>
-                </a:solidFill>
-                <a:miter lim="800000"/>
-                <a:headEnd/>
-                <a:tailEnd/>
-              </a14:hiddenLine>
             </a:ext>
           </a:extLst>
         </p:spPr>
